--- a/третьяков.pptx
+++ b/третьяков.pptx
@@ -113,6 +113,11 @@
       </a:defRPr>
     </a:lvl9pPr>
   </p:defaultTextStyle>
+  <p:extLst>
+    <p:ext uri="{EFAFB233-063F-42B5-8137-9DF3F51BA10A}">
+      <p15:sldGuideLst xmlns:p15="http://schemas.microsoft.com/office/powerpoint/2012/main"/>
+    </p:ext>
+  </p:extLst>
 </p:presentation>
 </file>
 
@@ -6082,7 +6087,19 @@
             </a:br>
             <a:r>
               <a:rPr lang="ru-RU" sz="1600" b="1" dirty="0"/>
-              <a:t>Разработка удаленной базы данных для автоматизированной информационной системы товарного склада и логистики</a:t>
+              <a:t>Разработка удаленной базы данных для автоматизации отдела логистики ООО </a:t>
+            </a:r>
+            <a:r>
+              <a:rPr lang="en-US" sz="1600" b="1" dirty="0"/>
+              <a:t>“</a:t>
+            </a:r>
+            <a:r>
+              <a:rPr lang="ru-RU" sz="1600" b="1" dirty="0"/>
+              <a:t>Самарская алюминиевая компания</a:t>
+            </a:r>
+            <a:r>
+              <a:rPr lang="en-US" sz="1600" b="1" dirty="0"/>
+              <a:t>”</a:t>
             </a:r>
             <a:br>
               <a:rPr lang="ru-RU" sz="1600" dirty="0"/>
@@ -6428,7 +6445,7 @@
             </a:r>
             <a:r>
               <a:rPr lang="ru-RU" dirty="0" err="1"/>
-              <a:t>алюмиенивая</a:t>
+              <a:t>алюмиениевая</a:t>
             </a:r>
             <a:r>
               <a:rPr lang="ru-RU" dirty="0"/>

--- a/третьяков.pptx
+++ b/третьяков.pptx
@@ -11,10 +11,12 @@
     <p:sldId id="259" r:id="rId5"/>
     <p:sldId id="260" r:id="rId6"/>
     <p:sldId id="261" r:id="rId7"/>
-    <p:sldId id="262" r:id="rId8"/>
-    <p:sldId id="263" r:id="rId9"/>
-    <p:sldId id="264" r:id="rId10"/>
-    <p:sldId id="265" r:id="rId11"/>
+    <p:sldId id="266" r:id="rId8"/>
+    <p:sldId id="267" r:id="rId9"/>
+    <p:sldId id="262" r:id="rId10"/>
+    <p:sldId id="263" r:id="rId11"/>
+    <p:sldId id="264" r:id="rId12"/>
+    <p:sldId id="265" r:id="rId13"/>
   </p:sldIdLst>
   <p:sldSz cx="12192000" cy="6858000"/>
   <p:notesSz cx="6858000" cy="9144000"/>
@@ -307,7 +309,7 @@
           <a:p>
             <a:fld id="{4AAD347D-5ACD-4C99-B74B-A9C85AD731AF}" type="datetimeFigureOut">
               <a:rPr lang="en-US" dirty="0"/>
-              <a:t>12/3/2019</a:t>
+              <a:t>12/4/2019</a:t>
             </a:fld>
             <a:endParaRPr lang="en-US" dirty="0"/>
           </a:p>
@@ -577,7 +579,7 @@
           <a:p>
             <a:fld id="{4509A250-FF31-4206-8172-F9D3106AACB1}" type="datetimeFigureOut">
               <a:rPr lang="en-US" dirty="0"/>
-              <a:t>12/3/2019</a:t>
+              <a:t>12/4/2019</a:t>
             </a:fld>
             <a:endParaRPr lang="en-US" dirty="0"/>
           </a:p>
@@ -766,7 +768,7 @@
           <a:p>
             <a:fld id="{4509A250-FF31-4206-8172-F9D3106AACB1}" type="datetimeFigureOut">
               <a:rPr lang="en-US" dirty="0"/>
-              <a:t>12/3/2019</a:t>
+              <a:t>12/4/2019</a:t>
             </a:fld>
             <a:endParaRPr lang="en-US" dirty="0"/>
           </a:p>
@@ -1034,7 +1036,7 @@
           <a:p>
             <a:fld id="{4509A250-FF31-4206-8172-F9D3106AACB1}" type="datetimeFigureOut">
               <a:rPr lang="en-US" dirty="0"/>
-              <a:t>12/3/2019</a:t>
+              <a:t>12/4/2019</a:t>
             </a:fld>
             <a:endParaRPr lang="en-US" dirty="0"/>
           </a:p>
@@ -1370,7 +1372,7 @@
           <a:p>
             <a:fld id="{4509A250-FF31-4206-8172-F9D3106AACB1}" type="datetimeFigureOut">
               <a:rPr lang="en-US" dirty="0"/>
-              <a:t>12/3/2019</a:t>
+              <a:t>12/4/2019</a:t>
             </a:fld>
             <a:endParaRPr lang="en-US" dirty="0"/>
           </a:p>
@@ -1988,7 +1990,7 @@
           <a:p>
             <a:fld id="{4509A250-FF31-4206-8172-F9D3106AACB1}" type="datetimeFigureOut">
               <a:rPr lang="en-US" dirty="0"/>
-              <a:t>12/3/2019</a:t>
+              <a:t>12/4/2019</a:t>
             </a:fld>
             <a:endParaRPr lang="en-US" dirty="0"/>
           </a:p>
@@ -2843,7 +2845,7 @@
           <a:p>
             <a:fld id="{4509A250-FF31-4206-8172-F9D3106AACB1}" type="datetimeFigureOut">
               <a:rPr lang="en-US" dirty="0"/>
-              <a:t>12/3/2019</a:t>
+              <a:t>12/4/2019</a:t>
             </a:fld>
             <a:endParaRPr lang="en-US" dirty="0"/>
           </a:p>
@@ -3008,7 +3010,7 @@
           <a:p>
             <a:fld id="{4509A250-FF31-4206-8172-F9D3106AACB1}" type="datetimeFigureOut">
               <a:rPr lang="en-US" dirty="0"/>
-              <a:t>12/3/2019</a:t>
+              <a:t>12/4/2019</a:t>
             </a:fld>
             <a:endParaRPr lang="en-US" dirty="0"/>
           </a:p>
@@ -3183,7 +3185,7 @@
           <a:p>
             <a:fld id="{4509A250-FF31-4206-8172-F9D3106AACB1}" type="datetimeFigureOut">
               <a:rPr lang="en-US" dirty="0"/>
-              <a:t>12/3/2019</a:t>
+              <a:t>12/4/2019</a:t>
             </a:fld>
             <a:endParaRPr lang="en-US" dirty="0"/>
           </a:p>
@@ -3348,7 +3350,7 @@
           <a:p>
             <a:fld id="{4509A250-FF31-4206-8172-F9D3106AACB1}" type="datetimeFigureOut">
               <a:rPr lang="en-US" dirty="0"/>
-              <a:t>12/3/2019</a:t>
+              <a:t>12/4/2019</a:t>
             </a:fld>
             <a:endParaRPr lang="en-US" dirty="0"/>
           </a:p>
@@ -3590,7 +3592,7 @@
           <a:p>
             <a:fld id="{9796027F-7875-4030-9381-8BD8C4F21935}" type="datetimeFigureOut">
               <a:rPr lang="en-US" dirty="0"/>
-              <a:t>12/3/2019</a:t>
+              <a:t>12/4/2019</a:t>
             </a:fld>
             <a:endParaRPr lang="en-US" dirty="0"/>
           </a:p>
@@ -3877,7 +3879,7 @@
           <a:p>
             <a:fld id="{9796027F-7875-4030-9381-8BD8C4F21935}" type="datetimeFigureOut">
               <a:rPr lang="en-US" dirty="0"/>
-              <a:t>12/3/2019</a:t>
+              <a:t>12/4/2019</a:t>
             </a:fld>
             <a:endParaRPr lang="en-US" dirty="0"/>
           </a:p>
@@ -4316,7 +4318,7 @@
           <a:p>
             <a:fld id="{9796027F-7875-4030-9381-8BD8C4F21935}" type="datetimeFigureOut">
               <a:rPr lang="en-US" dirty="0"/>
-              <a:t>12/3/2019</a:t>
+              <a:t>12/4/2019</a:t>
             </a:fld>
             <a:endParaRPr lang="en-US" dirty="0"/>
           </a:p>
@@ -4429,7 +4431,7 @@
           <a:p>
             <a:fld id="{4509A250-FF31-4206-8172-F9D3106AACB1}" type="datetimeFigureOut">
               <a:rPr lang="en-US" dirty="0"/>
-              <a:t>12/3/2019</a:t>
+              <a:t>12/4/2019</a:t>
             </a:fld>
             <a:endParaRPr lang="en-US" dirty="0"/>
           </a:p>
@@ -4519,7 +4521,7 @@
           <a:p>
             <a:fld id="{4509A250-FF31-4206-8172-F9D3106AACB1}" type="datetimeFigureOut">
               <a:rPr lang="en-US" dirty="0"/>
-              <a:t>12/3/2019</a:t>
+              <a:t>12/4/2019</a:t>
             </a:fld>
             <a:endParaRPr lang="en-US" dirty="0"/>
           </a:p>
@@ -4793,7 +4795,7 @@
           <a:p>
             <a:fld id="{4509A250-FF31-4206-8172-F9D3106AACB1}" type="datetimeFigureOut">
               <a:rPr lang="en-US" dirty="0"/>
-              <a:t>12/3/2019</a:t>
+              <a:t>12/4/2019</a:t>
             </a:fld>
             <a:endParaRPr lang="en-US" dirty="0"/>
           </a:p>
@@ -5063,7 +5065,7 @@
           <a:p>
             <a:fld id="{4509A250-FF31-4206-8172-F9D3106AACB1}" type="datetimeFigureOut">
               <a:rPr lang="en-US" dirty="0"/>
-              <a:t>12/3/2019</a:t>
+              <a:t>12/4/2019</a:t>
             </a:fld>
             <a:endParaRPr lang="en-US" dirty="0"/>
           </a:p>
@@ -5487,7 +5489,7 @@
           <a:p>
             <a:fld id="{4AAD347D-5ACD-4C99-B74B-A9C85AD731AF}" type="datetimeFigureOut">
               <a:rPr lang="en-US" dirty="0"/>
-              <a:t>12/3/2019</a:t>
+              <a:t>12/4/2019</a:t>
             </a:fld>
             <a:endParaRPr lang="en-US" dirty="0"/>
           </a:p>
@@ -6113,8 +6115,12 @@
             </a:br>
             <a:r>
               <a:rPr lang="ru-RU" sz="1600" dirty="0"/>
-              <a:t>ПМ.02 РАЗРАБОТКА И АДМИНИСТРИРОВАНИЕ БАЗ ДАННЫХ</a:t>
-            </a:r>
+              <a:t>ПМ.11 РАЗРАБОТКА, АДМИНИСТРИРОВАНИЕ И ЗАЩИТА БАЗ ДАННЫХ</a:t>
+            </a:r>
+            <a:br>
+              <a:rPr lang="ru-RU" sz="1600" dirty="0"/>
+            </a:br>
+            <a:endParaRPr lang="ru-RU" sz="1600" dirty="0"/>
           </a:p>
         </p:txBody>
       </p:sp>
@@ -6205,649 +6211,6 @@
 </file>
 
 <file path=ppt/slides/slide10.xml><?xml version="1.0" encoding="utf-8"?>
-<p:sld xmlns:a="http://schemas.openxmlformats.org/drawingml/2006/main" xmlns:r="http://schemas.openxmlformats.org/officeDocument/2006/relationships" xmlns:p="http://schemas.openxmlformats.org/presentationml/2006/main">
-  <p:cSld>
-    <p:spTree>
-      <p:nvGrpSpPr>
-        <p:cNvPr id="1" name=""/>
-        <p:cNvGrpSpPr/>
-        <p:nvPr/>
-      </p:nvGrpSpPr>
-      <p:grpSpPr>
-        <a:xfrm>
-          <a:off x="0" y="0"/>
-          <a:ext cx="0" cy="0"/>
-          <a:chOff x="0" y="0"/>
-          <a:chExt cx="0" cy="0"/>
-        </a:xfrm>
-      </p:grpSpPr>
-      <p:sp>
-        <p:nvSpPr>
-          <p:cNvPr id="2" name="Заголовок 1">
-            <a:extLst>
-              <a:ext uri="{FF2B5EF4-FFF2-40B4-BE49-F238E27FC236}">
-                <a16:creationId xmlns:a16="http://schemas.microsoft.com/office/drawing/2014/main" id="{EBC11E01-50AB-40B6-AD57-4E3DD61205D8}"/>
-              </a:ext>
-            </a:extLst>
-          </p:cNvPr>
-          <p:cNvSpPr>
-            <a:spLocks noGrp="1"/>
-          </p:cNvSpPr>
-          <p:nvPr>
-            <p:ph type="title"/>
-          </p:nvPr>
-        </p:nvSpPr>
-        <p:spPr>
-          <a:xfrm>
-            <a:off x="1958076" y="2989184"/>
-            <a:ext cx="9404723" cy="1400530"/>
-          </a:xfrm>
-        </p:spPr>
-        <p:txBody>
-          <a:bodyPr/>
-          <a:lstStyle/>
-          <a:p>
-            <a:r>
-              <a:rPr lang="ru-RU" dirty="0"/>
-              <a:t>Спасибо за внимание</a:t>
-            </a:r>
-          </a:p>
-        </p:txBody>
-      </p:sp>
-    </p:spTree>
-    <p:extLst>
-      <p:ext uri="{BB962C8B-B14F-4D97-AF65-F5344CB8AC3E}">
-        <p14:creationId xmlns:p14="http://schemas.microsoft.com/office/powerpoint/2010/main" val="1445189430"/>
-      </p:ext>
-    </p:extLst>
-  </p:cSld>
-  <p:clrMapOvr>
-    <a:masterClrMapping/>
-  </p:clrMapOvr>
-</p:sld>
-</file>
-
-<file path=ppt/slides/slide2.xml><?xml version="1.0" encoding="utf-8"?>
-<p:sld xmlns:a="http://schemas.openxmlformats.org/drawingml/2006/main" xmlns:r="http://schemas.openxmlformats.org/officeDocument/2006/relationships" xmlns:p="http://schemas.openxmlformats.org/presentationml/2006/main">
-  <p:cSld>
-    <p:spTree>
-      <p:nvGrpSpPr>
-        <p:cNvPr id="1" name=""/>
-        <p:cNvGrpSpPr/>
-        <p:nvPr/>
-      </p:nvGrpSpPr>
-      <p:grpSpPr>
-        <a:xfrm>
-          <a:off x="0" y="0"/>
-          <a:ext cx="0" cy="0"/>
-          <a:chOff x="0" y="0"/>
-          <a:chExt cx="0" cy="0"/>
-        </a:xfrm>
-      </p:grpSpPr>
-      <p:sp>
-        <p:nvSpPr>
-          <p:cNvPr id="2" name="Заголовок 1">
-            <a:extLst>
-              <a:ext uri="{FF2B5EF4-FFF2-40B4-BE49-F238E27FC236}">
-                <a16:creationId xmlns:a16="http://schemas.microsoft.com/office/drawing/2014/main" id="{1AD88B40-109A-4D54-89E5-F0D80125A612}"/>
-              </a:ext>
-            </a:extLst>
-          </p:cNvPr>
-          <p:cNvSpPr>
-            <a:spLocks noGrp="1"/>
-          </p:cNvSpPr>
-          <p:nvPr>
-            <p:ph type="title"/>
-          </p:nvPr>
-        </p:nvSpPr>
-        <p:spPr/>
-        <p:txBody>
-          <a:bodyPr/>
-          <a:lstStyle/>
-          <a:p>
-            <a:r>
-              <a:rPr lang="ru-RU" b="1" dirty="0"/>
-              <a:t>Цель курсового проекта</a:t>
-            </a:r>
-            <a:endParaRPr lang="ru-RU" dirty="0"/>
-          </a:p>
-        </p:txBody>
-      </p:sp>
-      <p:sp>
-        <p:nvSpPr>
-          <p:cNvPr id="3" name="Объект 2">
-            <a:extLst>
-              <a:ext uri="{FF2B5EF4-FFF2-40B4-BE49-F238E27FC236}">
-                <a16:creationId xmlns:a16="http://schemas.microsoft.com/office/drawing/2014/main" id="{C8A2018A-8B99-4EF7-9EB9-F04EACAE3E05}"/>
-              </a:ext>
-            </a:extLst>
-          </p:cNvPr>
-          <p:cNvSpPr>
-            <a:spLocks noGrp="1"/>
-          </p:cNvSpPr>
-          <p:nvPr>
-            <p:ph idx="1"/>
-          </p:nvPr>
-        </p:nvSpPr>
-        <p:spPr>
-          <a:xfrm>
-            <a:off x="875201" y="3046831"/>
-            <a:ext cx="8946541" cy="4195481"/>
-          </a:xfrm>
-        </p:spPr>
-        <p:txBody>
-          <a:bodyPr/>
-          <a:lstStyle/>
-          <a:p>
-            <a:r>
-              <a:rPr lang="ru-RU" dirty="0"/>
-              <a:t>Создать базу данных и программу для автоматизации работы отдела логистики</a:t>
-            </a:r>
-          </a:p>
-        </p:txBody>
-      </p:sp>
-    </p:spTree>
-    <p:extLst>
-      <p:ext uri="{BB962C8B-B14F-4D97-AF65-F5344CB8AC3E}">
-        <p14:creationId xmlns:p14="http://schemas.microsoft.com/office/powerpoint/2010/main" val="370248003"/>
-      </p:ext>
-    </p:extLst>
-  </p:cSld>
-  <p:clrMapOvr>
-    <a:masterClrMapping/>
-  </p:clrMapOvr>
-</p:sld>
-</file>
-
-<file path=ppt/slides/slide3.xml><?xml version="1.0" encoding="utf-8"?>
-<p:sld xmlns:a="http://schemas.openxmlformats.org/drawingml/2006/main" xmlns:r="http://schemas.openxmlformats.org/officeDocument/2006/relationships" xmlns:p="http://schemas.openxmlformats.org/presentationml/2006/main">
-  <p:cSld>
-    <p:spTree>
-      <p:nvGrpSpPr>
-        <p:cNvPr id="1" name=""/>
-        <p:cNvGrpSpPr/>
-        <p:nvPr/>
-      </p:nvGrpSpPr>
-      <p:grpSpPr>
-        <a:xfrm>
-          <a:off x="0" y="0"/>
-          <a:ext cx="0" cy="0"/>
-          <a:chOff x="0" y="0"/>
-          <a:chExt cx="0" cy="0"/>
-        </a:xfrm>
-      </p:grpSpPr>
-      <p:sp>
-        <p:nvSpPr>
-          <p:cNvPr id="2" name="Заголовок 1">
-            <a:extLst>
-              <a:ext uri="{FF2B5EF4-FFF2-40B4-BE49-F238E27FC236}">
-                <a16:creationId xmlns:a16="http://schemas.microsoft.com/office/drawing/2014/main" id="{3C204E5B-D9ED-4F06-ABF1-3B013705F0C0}"/>
-              </a:ext>
-            </a:extLst>
-          </p:cNvPr>
-          <p:cNvSpPr>
-            <a:spLocks noGrp="1"/>
-          </p:cNvSpPr>
-          <p:nvPr>
-            <p:ph type="title"/>
-          </p:nvPr>
-        </p:nvSpPr>
-        <p:spPr/>
-        <p:txBody>
-          <a:bodyPr/>
-          <a:lstStyle/>
-          <a:p>
-            <a:r>
-              <a:rPr lang="ru-RU" b="1" dirty="0"/>
-              <a:t>Объект исследования</a:t>
-            </a:r>
-            <a:endParaRPr lang="ru-RU" dirty="0"/>
-          </a:p>
-        </p:txBody>
-      </p:sp>
-      <p:sp>
-        <p:nvSpPr>
-          <p:cNvPr id="3" name="Объект 2">
-            <a:extLst>
-              <a:ext uri="{FF2B5EF4-FFF2-40B4-BE49-F238E27FC236}">
-                <a16:creationId xmlns:a16="http://schemas.microsoft.com/office/drawing/2014/main" id="{ED36DD5B-9021-4833-AF26-CC253BCACFC5}"/>
-              </a:ext>
-            </a:extLst>
-          </p:cNvPr>
-          <p:cNvSpPr>
-            <a:spLocks noGrp="1"/>
-          </p:cNvSpPr>
-          <p:nvPr>
-            <p:ph idx="1"/>
-          </p:nvPr>
-        </p:nvSpPr>
-        <p:spPr>
-          <a:xfrm>
-            <a:off x="1104293" y="2092675"/>
-            <a:ext cx="8946541" cy="4195481"/>
-          </a:xfrm>
-        </p:spPr>
-        <p:txBody>
-          <a:bodyPr/>
-          <a:lstStyle/>
-          <a:p>
-            <a:r>
-              <a:rPr lang="ru-RU" dirty="0"/>
-              <a:t>Управление логистикой в компании ООО </a:t>
-            </a:r>
-            <a:r>
-              <a:rPr lang="en-US" dirty="0"/>
-              <a:t>“</a:t>
-            </a:r>
-            <a:r>
-              <a:rPr lang="ru-RU" dirty="0"/>
-              <a:t>Самарский </a:t>
-            </a:r>
-            <a:r>
-              <a:rPr lang="ru-RU" dirty="0" err="1"/>
-              <a:t>алюмиениевая</a:t>
-            </a:r>
-            <a:r>
-              <a:rPr lang="ru-RU" dirty="0"/>
-              <a:t> компания</a:t>
-            </a:r>
-            <a:r>
-              <a:rPr lang="en-US" dirty="0"/>
-              <a:t>”</a:t>
-            </a:r>
-            <a:endParaRPr lang="ru-RU" dirty="0"/>
-          </a:p>
-        </p:txBody>
-      </p:sp>
-    </p:spTree>
-    <p:extLst>
-      <p:ext uri="{BB962C8B-B14F-4D97-AF65-F5344CB8AC3E}">
-        <p14:creationId xmlns:p14="http://schemas.microsoft.com/office/powerpoint/2010/main" val="2836345429"/>
-      </p:ext>
-    </p:extLst>
-  </p:cSld>
-  <p:clrMapOvr>
-    <a:masterClrMapping/>
-  </p:clrMapOvr>
-</p:sld>
-</file>
-
-<file path=ppt/slides/slide4.xml><?xml version="1.0" encoding="utf-8"?>
-<p:sld xmlns:a="http://schemas.openxmlformats.org/drawingml/2006/main" xmlns:r="http://schemas.openxmlformats.org/officeDocument/2006/relationships" xmlns:p="http://schemas.openxmlformats.org/presentationml/2006/main">
-  <p:cSld>
-    <p:spTree>
-      <p:nvGrpSpPr>
-        <p:cNvPr id="1" name=""/>
-        <p:cNvGrpSpPr/>
-        <p:nvPr/>
-      </p:nvGrpSpPr>
-      <p:grpSpPr>
-        <a:xfrm>
-          <a:off x="0" y="0"/>
-          <a:ext cx="0" cy="0"/>
-          <a:chOff x="0" y="0"/>
-          <a:chExt cx="0" cy="0"/>
-        </a:xfrm>
-      </p:grpSpPr>
-      <p:sp>
-        <p:nvSpPr>
-          <p:cNvPr id="2" name="Заголовок 1">
-            <a:extLst>
-              <a:ext uri="{FF2B5EF4-FFF2-40B4-BE49-F238E27FC236}">
-                <a16:creationId xmlns:a16="http://schemas.microsoft.com/office/drawing/2014/main" id="{EBC3C061-2CBA-4554-BD97-8B57018F42F1}"/>
-              </a:ext>
-            </a:extLst>
-          </p:cNvPr>
-          <p:cNvSpPr>
-            <a:spLocks noGrp="1"/>
-          </p:cNvSpPr>
-          <p:nvPr>
-            <p:ph type="title"/>
-          </p:nvPr>
-        </p:nvSpPr>
-        <p:spPr/>
-        <p:txBody>
-          <a:bodyPr/>
-          <a:lstStyle/>
-          <a:p>
-            <a:r>
-              <a:rPr lang="ru-RU" dirty="0"/>
-              <a:t>Задачи:</a:t>
-            </a:r>
-          </a:p>
-        </p:txBody>
-      </p:sp>
-      <p:sp>
-        <p:nvSpPr>
-          <p:cNvPr id="3" name="Объект 2">
-            <a:extLst>
-              <a:ext uri="{FF2B5EF4-FFF2-40B4-BE49-F238E27FC236}">
-                <a16:creationId xmlns:a16="http://schemas.microsoft.com/office/drawing/2014/main" id="{50023055-E08E-43AA-908F-8CE270ECCCF1}"/>
-              </a:ext>
-            </a:extLst>
-          </p:cNvPr>
-          <p:cNvSpPr>
-            <a:spLocks noGrp="1"/>
-          </p:cNvSpPr>
-          <p:nvPr>
-            <p:ph idx="1"/>
-          </p:nvPr>
-        </p:nvSpPr>
-        <p:spPr>
-          <a:xfrm>
-            <a:off x="875201" y="2209801"/>
-            <a:ext cx="8946541" cy="4195481"/>
-          </a:xfrm>
-        </p:spPr>
-        <p:txBody>
-          <a:bodyPr/>
-          <a:lstStyle/>
-          <a:p>
-            <a:r>
-              <a:rPr lang="ru-RU" dirty="0"/>
-              <a:t>Разработать базу данных для данных логистики</a:t>
-            </a:r>
-          </a:p>
-          <a:p>
-            <a:r>
-              <a:rPr lang="ru-RU" dirty="0"/>
-              <a:t>Разработать программу для управления логистикой</a:t>
-            </a:r>
-          </a:p>
-        </p:txBody>
-      </p:sp>
-    </p:spTree>
-    <p:extLst>
-      <p:ext uri="{BB962C8B-B14F-4D97-AF65-F5344CB8AC3E}">
-        <p14:creationId xmlns:p14="http://schemas.microsoft.com/office/powerpoint/2010/main" val="61096421"/>
-      </p:ext>
-    </p:extLst>
-  </p:cSld>
-  <p:clrMapOvr>
-    <a:masterClrMapping/>
-  </p:clrMapOvr>
-</p:sld>
-</file>
-
-<file path=ppt/slides/slide5.xml><?xml version="1.0" encoding="utf-8"?>
-<p:sld xmlns:a="http://schemas.openxmlformats.org/drawingml/2006/main" xmlns:r="http://schemas.openxmlformats.org/officeDocument/2006/relationships" xmlns:p="http://schemas.openxmlformats.org/presentationml/2006/main">
-  <p:cSld>
-    <p:spTree>
-      <p:nvGrpSpPr>
-        <p:cNvPr id="1" name=""/>
-        <p:cNvGrpSpPr/>
-        <p:nvPr/>
-      </p:nvGrpSpPr>
-      <p:grpSpPr>
-        <a:xfrm>
-          <a:off x="0" y="0"/>
-          <a:ext cx="0" cy="0"/>
-          <a:chOff x="0" y="0"/>
-          <a:chExt cx="0" cy="0"/>
-        </a:xfrm>
-      </p:grpSpPr>
-      <p:sp>
-        <p:nvSpPr>
-          <p:cNvPr id="2" name="Заголовок 1">
-            <a:extLst>
-              <a:ext uri="{FF2B5EF4-FFF2-40B4-BE49-F238E27FC236}">
-                <a16:creationId xmlns:a16="http://schemas.microsoft.com/office/drawing/2014/main" id="{696D4480-40FF-44EA-AC40-3E2F811A96C8}"/>
-              </a:ext>
-            </a:extLst>
-          </p:cNvPr>
-          <p:cNvSpPr>
-            <a:spLocks noGrp="1"/>
-          </p:cNvSpPr>
-          <p:nvPr>
-            <p:ph type="title"/>
-          </p:nvPr>
-        </p:nvSpPr>
-        <p:spPr/>
-        <p:txBody>
-          <a:bodyPr/>
-          <a:lstStyle/>
-          <a:p>
-            <a:r>
-              <a:rPr lang="ru-RU" dirty="0"/>
-              <a:t>Функциональные требования</a:t>
-            </a:r>
-          </a:p>
-        </p:txBody>
-      </p:sp>
-      <p:sp>
-        <p:nvSpPr>
-          <p:cNvPr id="3" name="Объект 2">
-            <a:extLst>
-              <a:ext uri="{FF2B5EF4-FFF2-40B4-BE49-F238E27FC236}">
-                <a16:creationId xmlns:a16="http://schemas.microsoft.com/office/drawing/2014/main" id="{1F059108-68A9-4792-9FBC-C0C932AD111D}"/>
-              </a:ext>
-            </a:extLst>
-          </p:cNvPr>
-          <p:cNvSpPr>
-            <a:spLocks noGrp="1"/>
-          </p:cNvSpPr>
-          <p:nvPr>
-            <p:ph idx="1"/>
-          </p:nvPr>
-        </p:nvSpPr>
-        <p:spPr/>
-        <p:txBody>
-          <a:bodyPr/>
-          <a:lstStyle/>
-          <a:p>
-            <a:r>
-              <a:rPr lang="ru-RU" dirty="0"/>
-              <a:t>Просмотр таблиц базы с данными</a:t>
-            </a:r>
-          </a:p>
-          <a:p>
-            <a:r>
-              <a:rPr lang="ru-RU" dirty="0"/>
-              <a:t>Внесение изменений и добавление данных в базу</a:t>
-            </a:r>
-          </a:p>
-          <a:p>
-            <a:r>
-              <a:rPr lang="ru-RU" dirty="0"/>
-              <a:t>Авторизация и добавление пользователей </a:t>
-            </a:r>
-          </a:p>
-        </p:txBody>
-      </p:sp>
-    </p:spTree>
-    <p:extLst>
-      <p:ext uri="{BB962C8B-B14F-4D97-AF65-F5344CB8AC3E}">
-        <p14:creationId xmlns:p14="http://schemas.microsoft.com/office/powerpoint/2010/main" val="2371324920"/>
-      </p:ext>
-    </p:extLst>
-  </p:cSld>
-  <p:clrMapOvr>
-    <a:masterClrMapping/>
-  </p:clrMapOvr>
-</p:sld>
-</file>
-
-<file path=ppt/slides/slide6.xml><?xml version="1.0" encoding="utf-8"?>
-<p:sld xmlns:a="http://schemas.openxmlformats.org/drawingml/2006/main" xmlns:r="http://schemas.openxmlformats.org/officeDocument/2006/relationships" xmlns:p="http://schemas.openxmlformats.org/presentationml/2006/main">
-  <p:cSld>
-    <p:spTree>
-      <p:nvGrpSpPr>
-        <p:cNvPr id="1" name=""/>
-        <p:cNvGrpSpPr/>
-        <p:nvPr/>
-      </p:nvGrpSpPr>
-      <p:grpSpPr>
-        <a:xfrm>
-          <a:off x="0" y="0"/>
-          <a:ext cx="0" cy="0"/>
-          <a:chOff x="0" y="0"/>
-          <a:chExt cx="0" cy="0"/>
-        </a:xfrm>
-      </p:grpSpPr>
-      <p:sp>
-        <p:nvSpPr>
-          <p:cNvPr id="2" name="Заголовок 1">
-            <a:extLst>
-              <a:ext uri="{FF2B5EF4-FFF2-40B4-BE49-F238E27FC236}">
-                <a16:creationId xmlns:a16="http://schemas.microsoft.com/office/drawing/2014/main" id="{EDE08CB1-763C-4493-B0FA-A538152D8870}"/>
-              </a:ext>
-            </a:extLst>
-          </p:cNvPr>
-          <p:cNvSpPr>
-            <a:spLocks noGrp="1"/>
-          </p:cNvSpPr>
-          <p:nvPr>
-            <p:ph type="title"/>
-          </p:nvPr>
-        </p:nvSpPr>
-        <p:spPr/>
-        <p:txBody>
-          <a:bodyPr/>
-          <a:lstStyle/>
-          <a:p>
-            <a:r>
-              <a:rPr lang="ru-RU" dirty="0"/>
-              <a:t>Структура БД</a:t>
-            </a:r>
-          </a:p>
-        </p:txBody>
-      </p:sp>
-      <p:pic>
-        <p:nvPicPr>
-          <p:cNvPr id="4" name="Объект 3">
-            <a:extLst>
-              <a:ext uri="{FF2B5EF4-FFF2-40B4-BE49-F238E27FC236}">
-                <a16:creationId xmlns:a16="http://schemas.microsoft.com/office/drawing/2014/main" id="{E71C236C-88CE-40DC-8506-136334916208}"/>
-              </a:ext>
-            </a:extLst>
-          </p:cNvPr>
-          <p:cNvPicPr>
-            <a:picLocks noGrp="1" noChangeAspect="1"/>
-          </p:cNvPicPr>
-          <p:nvPr>
-            <p:ph idx="1"/>
-          </p:nvPr>
-        </p:nvPicPr>
-        <p:blipFill>
-          <a:blip r:embed="rId2"/>
-          <a:stretch>
-            <a:fillRect/>
-          </a:stretch>
-        </p:blipFill>
-        <p:spPr>
-          <a:xfrm>
-            <a:off x="1163510" y="1853248"/>
-            <a:ext cx="7495460" cy="4216197"/>
-          </a:xfrm>
-          <a:prstGeom prst="rect">
-            <a:avLst/>
-          </a:prstGeom>
-        </p:spPr>
-      </p:pic>
-    </p:spTree>
-    <p:extLst>
-      <p:ext uri="{BB962C8B-B14F-4D97-AF65-F5344CB8AC3E}">
-        <p14:creationId xmlns:p14="http://schemas.microsoft.com/office/powerpoint/2010/main" val="305864182"/>
-      </p:ext>
-    </p:extLst>
-  </p:cSld>
-  <p:clrMapOvr>
-    <a:masterClrMapping/>
-  </p:clrMapOvr>
-</p:sld>
-</file>
-
-<file path=ppt/slides/slide7.xml><?xml version="1.0" encoding="utf-8"?>
-<p:sld xmlns:a="http://schemas.openxmlformats.org/drawingml/2006/main" xmlns:r="http://schemas.openxmlformats.org/officeDocument/2006/relationships" xmlns:p="http://schemas.openxmlformats.org/presentationml/2006/main">
-  <p:cSld>
-    <p:spTree>
-      <p:nvGrpSpPr>
-        <p:cNvPr id="1" name=""/>
-        <p:cNvGrpSpPr/>
-        <p:nvPr/>
-      </p:nvGrpSpPr>
-      <p:grpSpPr>
-        <a:xfrm>
-          <a:off x="0" y="0"/>
-          <a:ext cx="0" cy="0"/>
-          <a:chOff x="0" y="0"/>
-          <a:chExt cx="0" cy="0"/>
-        </a:xfrm>
-      </p:grpSpPr>
-      <p:sp>
-        <p:nvSpPr>
-          <p:cNvPr id="2" name="Заголовок 1">
-            <a:extLst>
-              <a:ext uri="{FF2B5EF4-FFF2-40B4-BE49-F238E27FC236}">
-                <a16:creationId xmlns:a16="http://schemas.microsoft.com/office/drawing/2014/main" id="{FE0E59D7-962A-4AF5-B292-2B8F637F27D3}"/>
-              </a:ext>
-            </a:extLst>
-          </p:cNvPr>
-          <p:cNvSpPr>
-            <a:spLocks noGrp="1"/>
-          </p:cNvSpPr>
-          <p:nvPr>
-            <p:ph type="title"/>
-          </p:nvPr>
-        </p:nvSpPr>
-        <p:spPr/>
-        <p:txBody>
-          <a:bodyPr/>
-          <a:lstStyle/>
-          <a:p>
-            <a:r>
-              <a:rPr lang="ru-RU" dirty="0"/>
-              <a:t>Подключение БД к программе</a:t>
-            </a:r>
-          </a:p>
-        </p:txBody>
-      </p:sp>
-      <p:pic>
-        <p:nvPicPr>
-          <p:cNvPr id="4" name="Объект 3">
-            <a:extLst>
-              <a:ext uri="{FF2B5EF4-FFF2-40B4-BE49-F238E27FC236}">
-                <a16:creationId xmlns:a16="http://schemas.microsoft.com/office/drawing/2014/main" id="{FF6BCC25-7D18-42B2-AEE9-80D046416A9D}"/>
-              </a:ext>
-            </a:extLst>
-          </p:cNvPr>
-          <p:cNvPicPr>
-            <a:picLocks noGrp="1" noChangeAspect="1"/>
-          </p:cNvPicPr>
-          <p:nvPr>
-            <p:ph idx="1"/>
-          </p:nvPr>
-        </p:nvPicPr>
-        <p:blipFill>
-          <a:blip r:embed="rId2"/>
-          <a:stretch>
-            <a:fillRect/>
-          </a:stretch>
-        </p:blipFill>
-        <p:spPr>
-          <a:xfrm>
-            <a:off x="1630903" y="1989027"/>
-            <a:ext cx="7435137" cy="4195762"/>
-          </a:xfrm>
-          <a:prstGeom prst="rect">
-            <a:avLst/>
-          </a:prstGeom>
-        </p:spPr>
-      </p:pic>
-    </p:spTree>
-    <p:extLst>
-      <p:ext uri="{BB962C8B-B14F-4D97-AF65-F5344CB8AC3E}">
-        <p14:creationId xmlns:p14="http://schemas.microsoft.com/office/powerpoint/2010/main" val="407478395"/>
-      </p:ext>
-    </p:extLst>
-  </p:cSld>
-  <p:clrMapOvr>
-    <a:masterClrMapping/>
-  </p:clrMapOvr>
-</p:sld>
-</file>
-
-<file path=ppt/slides/slide8.xml><?xml version="1.0" encoding="utf-8"?>
 <p:sld xmlns:a="http://schemas.openxmlformats.org/drawingml/2006/main" xmlns:r="http://schemas.openxmlformats.org/officeDocument/2006/relationships" xmlns:p="http://schemas.openxmlformats.org/presentationml/2006/main">
   <p:cSld>
     <p:spTree>
@@ -7187,6 +6550,961 @@
 </p:sld>
 </file>
 
+<file path=ppt/slides/slide11.xml><?xml version="1.0" encoding="utf-8"?>
+<p:sld xmlns:a="http://schemas.openxmlformats.org/drawingml/2006/main" xmlns:r="http://schemas.openxmlformats.org/officeDocument/2006/relationships" xmlns:p="http://schemas.openxmlformats.org/presentationml/2006/main">
+  <p:cSld>
+    <p:spTree>
+      <p:nvGrpSpPr>
+        <p:cNvPr id="1" name=""/>
+        <p:cNvGrpSpPr/>
+        <p:nvPr/>
+      </p:nvGrpSpPr>
+      <p:grpSpPr>
+        <a:xfrm>
+          <a:off x="0" y="0"/>
+          <a:ext cx="0" cy="0"/>
+          <a:chOff x="0" y="0"/>
+          <a:chExt cx="0" cy="0"/>
+        </a:xfrm>
+      </p:grpSpPr>
+      <p:sp>
+        <p:nvSpPr>
+          <p:cNvPr id="2" name="Заголовок 1">
+            <a:extLst>
+              <a:ext uri="{FF2B5EF4-FFF2-40B4-BE49-F238E27FC236}">
+                <a16:creationId xmlns:a16="http://schemas.microsoft.com/office/drawing/2014/main" id="{48FDBE36-A5F8-474B-884E-D23B9B2D4352}"/>
+              </a:ext>
+            </a:extLst>
+          </p:cNvPr>
+          <p:cNvSpPr>
+            <a:spLocks noGrp="1"/>
+          </p:cNvSpPr>
+          <p:nvPr>
+            <p:ph type="title"/>
+          </p:nvPr>
+        </p:nvSpPr>
+        <p:spPr/>
+        <p:txBody>
+          <a:bodyPr/>
+          <a:lstStyle/>
+          <a:p>
+            <a:r>
+              <a:rPr lang="ru-RU" dirty="0"/>
+              <a:t>Заключение</a:t>
+            </a:r>
+          </a:p>
+        </p:txBody>
+      </p:sp>
+      <p:sp>
+        <p:nvSpPr>
+          <p:cNvPr id="3" name="Объект 2">
+            <a:extLst>
+              <a:ext uri="{FF2B5EF4-FFF2-40B4-BE49-F238E27FC236}">
+                <a16:creationId xmlns:a16="http://schemas.microsoft.com/office/drawing/2014/main" id="{3A548D36-659D-4B73-BF00-83494BBAB28D}"/>
+              </a:ext>
+            </a:extLst>
+          </p:cNvPr>
+          <p:cNvSpPr>
+            <a:spLocks noGrp="1"/>
+          </p:cNvSpPr>
+          <p:nvPr>
+            <p:ph idx="1"/>
+          </p:nvPr>
+        </p:nvSpPr>
+        <p:spPr/>
+        <p:txBody>
+          <a:bodyPr/>
+          <a:lstStyle/>
+          <a:p>
+            <a:r>
+              <a:rPr lang="ru-RU" dirty="0"/>
+              <a:t>Программа работает стабильно, однако нуждается в добавлении многих функции которые будут добавлены в течении следующей производственной практики</a:t>
+            </a:r>
+          </a:p>
+          <a:p>
+            <a:r>
+              <a:rPr lang="ru-RU" dirty="0"/>
+              <a:t>База данных отвечает необходимому </a:t>
+            </a:r>
+            <a:r>
+              <a:rPr lang="ru-RU" dirty="0" err="1"/>
+              <a:t>функцианалу</a:t>
+            </a:r>
+            <a:endParaRPr lang="ru-RU" dirty="0"/>
+          </a:p>
+        </p:txBody>
+      </p:sp>
+    </p:spTree>
+    <p:extLst>
+      <p:ext uri="{BB962C8B-B14F-4D97-AF65-F5344CB8AC3E}">
+        <p14:creationId xmlns:p14="http://schemas.microsoft.com/office/powerpoint/2010/main" val="278295657"/>
+      </p:ext>
+    </p:extLst>
+  </p:cSld>
+  <p:clrMapOvr>
+    <a:masterClrMapping/>
+  </p:clrMapOvr>
+</p:sld>
+</file>
+
+<file path=ppt/slides/slide12.xml><?xml version="1.0" encoding="utf-8"?>
+<p:sld xmlns:a="http://schemas.openxmlformats.org/drawingml/2006/main" xmlns:r="http://schemas.openxmlformats.org/officeDocument/2006/relationships" xmlns:p="http://schemas.openxmlformats.org/presentationml/2006/main">
+  <p:cSld>
+    <p:spTree>
+      <p:nvGrpSpPr>
+        <p:cNvPr id="1" name=""/>
+        <p:cNvGrpSpPr/>
+        <p:nvPr/>
+      </p:nvGrpSpPr>
+      <p:grpSpPr>
+        <a:xfrm>
+          <a:off x="0" y="0"/>
+          <a:ext cx="0" cy="0"/>
+          <a:chOff x="0" y="0"/>
+          <a:chExt cx="0" cy="0"/>
+        </a:xfrm>
+      </p:grpSpPr>
+      <p:sp>
+        <p:nvSpPr>
+          <p:cNvPr id="2" name="Заголовок 1">
+            <a:extLst>
+              <a:ext uri="{FF2B5EF4-FFF2-40B4-BE49-F238E27FC236}">
+                <a16:creationId xmlns:a16="http://schemas.microsoft.com/office/drawing/2014/main" id="{EBC11E01-50AB-40B6-AD57-4E3DD61205D8}"/>
+              </a:ext>
+            </a:extLst>
+          </p:cNvPr>
+          <p:cNvSpPr>
+            <a:spLocks noGrp="1"/>
+          </p:cNvSpPr>
+          <p:nvPr>
+            <p:ph type="title"/>
+          </p:nvPr>
+        </p:nvSpPr>
+        <p:spPr>
+          <a:xfrm>
+            <a:off x="1958076" y="2989184"/>
+            <a:ext cx="9404723" cy="1400530"/>
+          </a:xfrm>
+        </p:spPr>
+        <p:txBody>
+          <a:bodyPr/>
+          <a:lstStyle/>
+          <a:p>
+            <a:r>
+              <a:rPr lang="ru-RU" dirty="0"/>
+              <a:t>Спасибо за внимание</a:t>
+            </a:r>
+          </a:p>
+        </p:txBody>
+      </p:sp>
+    </p:spTree>
+    <p:extLst>
+      <p:ext uri="{BB962C8B-B14F-4D97-AF65-F5344CB8AC3E}">
+        <p14:creationId xmlns:p14="http://schemas.microsoft.com/office/powerpoint/2010/main" val="1445189430"/>
+      </p:ext>
+    </p:extLst>
+  </p:cSld>
+  <p:clrMapOvr>
+    <a:masterClrMapping/>
+  </p:clrMapOvr>
+</p:sld>
+</file>
+
+<file path=ppt/slides/slide2.xml><?xml version="1.0" encoding="utf-8"?>
+<p:sld xmlns:a="http://schemas.openxmlformats.org/drawingml/2006/main" xmlns:r="http://schemas.openxmlformats.org/officeDocument/2006/relationships" xmlns:p="http://schemas.openxmlformats.org/presentationml/2006/main">
+  <p:cSld>
+    <p:spTree>
+      <p:nvGrpSpPr>
+        <p:cNvPr id="1" name=""/>
+        <p:cNvGrpSpPr/>
+        <p:nvPr/>
+      </p:nvGrpSpPr>
+      <p:grpSpPr>
+        <a:xfrm>
+          <a:off x="0" y="0"/>
+          <a:ext cx="0" cy="0"/>
+          <a:chOff x="0" y="0"/>
+          <a:chExt cx="0" cy="0"/>
+        </a:xfrm>
+      </p:grpSpPr>
+      <p:sp>
+        <p:nvSpPr>
+          <p:cNvPr id="2" name="Заголовок 1">
+            <a:extLst>
+              <a:ext uri="{FF2B5EF4-FFF2-40B4-BE49-F238E27FC236}">
+                <a16:creationId xmlns:a16="http://schemas.microsoft.com/office/drawing/2014/main" id="{1AD88B40-109A-4D54-89E5-F0D80125A612}"/>
+              </a:ext>
+            </a:extLst>
+          </p:cNvPr>
+          <p:cNvSpPr>
+            <a:spLocks noGrp="1"/>
+          </p:cNvSpPr>
+          <p:nvPr>
+            <p:ph type="title"/>
+          </p:nvPr>
+        </p:nvSpPr>
+        <p:spPr/>
+        <p:txBody>
+          <a:bodyPr/>
+          <a:lstStyle/>
+          <a:p>
+            <a:r>
+              <a:rPr lang="ru-RU" b="1" dirty="0"/>
+              <a:t>Цель курсового проекта</a:t>
+            </a:r>
+            <a:endParaRPr lang="ru-RU" dirty="0"/>
+          </a:p>
+        </p:txBody>
+      </p:sp>
+      <p:sp>
+        <p:nvSpPr>
+          <p:cNvPr id="3" name="Объект 2">
+            <a:extLst>
+              <a:ext uri="{FF2B5EF4-FFF2-40B4-BE49-F238E27FC236}">
+                <a16:creationId xmlns:a16="http://schemas.microsoft.com/office/drawing/2014/main" id="{C8A2018A-8B99-4EF7-9EB9-F04EACAE3E05}"/>
+              </a:ext>
+            </a:extLst>
+          </p:cNvPr>
+          <p:cNvSpPr>
+            <a:spLocks noGrp="1"/>
+          </p:cNvSpPr>
+          <p:nvPr>
+            <p:ph idx="1"/>
+          </p:nvPr>
+        </p:nvSpPr>
+        <p:spPr>
+          <a:xfrm>
+            <a:off x="875201" y="3046831"/>
+            <a:ext cx="8946541" cy="4195481"/>
+          </a:xfrm>
+        </p:spPr>
+        <p:txBody>
+          <a:bodyPr/>
+          <a:lstStyle/>
+          <a:p>
+            <a:r>
+              <a:rPr lang="ru-RU" dirty="0"/>
+              <a:t>Создать базу данных и программу для автоматизации работы отдела логистики</a:t>
+            </a:r>
+          </a:p>
+        </p:txBody>
+      </p:sp>
+    </p:spTree>
+    <p:extLst>
+      <p:ext uri="{BB962C8B-B14F-4D97-AF65-F5344CB8AC3E}">
+        <p14:creationId xmlns:p14="http://schemas.microsoft.com/office/powerpoint/2010/main" val="370248003"/>
+      </p:ext>
+    </p:extLst>
+  </p:cSld>
+  <p:clrMapOvr>
+    <a:masterClrMapping/>
+  </p:clrMapOvr>
+</p:sld>
+</file>
+
+<file path=ppt/slides/slide3.xml><?xml version="1.0" encoding="utf-8"?>
+<p:sld xmlns:a="http://schemas.openxmlformats.org/drawingml/2006/main" xmlns:r="http://schemas.openxmlformats.org/officeDocument/2006/relationships" xmlns:p="http://schemas.openxmlformats.org/presentationml/2006/main">
+  <p:cSld>
+    <p:spTree>
+      <p:nvGrpSpPr>
+        <p:cNvPr id="1" name=""/>
+        <p:cNvGrpSpPr/>
+        <p:nvPr/>
+      </p:nvGrpSpPr>
+      <p:grpSpPr>
+        <a:xfrm>
+          <a:off x="0" y="0"/>
+          <a:ext cx="0" cy="0"/>
+          <a:chOff x="0" y="0"/>
+          <a:chExt cx="0" cy="0"/>
+        </a:xfrm>
+      </p:grpSpPr>
+      <p:sp>
+        <p:nvSpPr>
+          <p:cNvPr id="2" name="Заголовок 1">
+            <a:extLst>
+              <a:ext uri="{FF2B5EF4-FFF2-40B4-BE49-F238E27FC236}">
+                <a16:creationId xmlns:a16="http://schemas.microsoft.com/office/drawing/2014/main" id="{3C204E5B-D9ED-4F06-ABF1-3B013705F0C0}"/>
+              </a:ext>
+            </a:extLst>
+          </p:cNvPr>
+          <p:cNvSpPr>
+            <a:spLocks noGrp="1"/>
+          </p:cNvSpPr>
+          <p:nvPr>
+            <p:ph type="title"/>
+          </p:nvPr>
+        </p:nvSpPr>
+        <p:spPr/>
+        <p:txBody>
+          <a:bodyPr/>
+          <a:lstStyle/>
+          <a:p>
+            <a:r>
+              <a:rPr lang="ru-RU" b="1" dirty="0"/>
+              <a:t>Объект исследования</a:t>
+            </a:r>
+            <a:endParaRPr lang="ru-RU" dirty="0"/>
+          </a:p>
+        </p:txBody>
+      </p:sp>
+      <p:sp>
+        <p:nvSpPr>
+          <p:cNvPr id="3" name="Объект 2">
+            <a:extLst>
+              <a:ext uri="{FF2B5EF4-FFF2-40B4-BE49-F238E27FC236}">
+                <a16:creationId xmlns:a16="http://schemas.microsoft.com/office/drawing/2014/main" id="{ED36DD5B-9021-4833-AF26-CC253BCACFC5}"/>
+              </a:ext>
+            </a:extLst>
+          </p:cNvPr>
+          <p:cNvSpPr>
+            <a:spLocks noGrp="1"/>
+          </p:cNvSpPr>
+          <p:nvPr>
+            <p:ph idx="1"/>
+          </p:nvPr>
+        </p:nvSpPr>
+        <p:spPr>
+          <a:xfrm>
+            <a:off x="1104293" y="2092675"/>
+            <a:ext cx="8946541" cy="4195481"/>
+          </a:xfrm>
+        </p:spPr>
+        <p:txBody>
+          <a:bodyPr/>
+          <a:lstStyle/>
+          <a:p>
+            <a:r>
+              <a:rPr lang="ru-RU" dirty="0"/>
+              <a:t>Управление логистикой в компании ООО </a:t>
+            </a:r>
+            <a:r>
+              <a:rPr lang="en-US" dirty="0"/>
+              <a:t>“</a:t>
+            </a:r>
+            <a:r>
+              <a:rPr lang="ru-RU" dirty="0"/>
+              <a:t>Самарский </a:t>
+            </a:r>
+            <a:r>
+              <a:rPr lang="ru-RU" dirty="0" err="1"/>
+              <a:t>алюмиениевая</a:t>
+            </a:r>
+            <a:r>
+              <a:rPr lang="ru-RU" dirty="0"/>
+              <a:t> компания</a:t>
+            </a:r>
+            <a:r>
+              <a:rPr lang="en-US" dirty="0"/>
+              <a:t>”</a:t>
+            </a:r>
+            <a:endParaRPr lang="ru-RU" dirty="0"/>
+          </a:p>
+        </p:txBody>
+      </p:sp>
+    </p:spTree>
+    <p:extLst>
+      <p:ext uri="{BB962C8B-B14F-4D97-AF65-F5344CB8AC3E}">
+        <p14:creationId xmlns:p14="http://schemas.microsoft.com/office/powerpoint/2010/main" val="2836345429"/>
+      </p:ext>
+    </p:extLst>
+  </p:cSld>
+  <p:clrMapOvr>
+    <a:masterClrMapping/>
+  </p:clrMapOvr>
+</p:sld>
+</file>
+
+<file path=ppt/slides/slide4.xml><?xml version="1.0" encoding="utf-8"?>
+<p:sld xmlns:a="http://schemas.openxmlformats.org/drawingml/2006/main" xmlns:r="http://schemas.openxmlformats.org/officeDocument/2006/relationships" xmlns:p="http://schemas.openxmlformats.org/presentationml/2006/main">
+  <p:cSld>
+    <p:spTree>
+      <p:nvGrpSpPr>
+        <p:cNvPr id="1" name=""/>
+        <p:cNvGrpSpPr/>
+        <p:nvPr/>
+      </p:nvGrpSpPr>
+      <p:grpSpPr>
+        <a:xfrm>
+          <a:off x="0" y="0"/>
+          <a:ext cx="0" cy="0"/>
+          <a:chOff x="0" y="0"/>
+          <a:chExt cx="0" cy="0"/>
+        </a:xfrm>
+      </p:grpSpPr>
+      <p:sp>
+        <p:nvSpPr>
+          <p:cNvPr id="2" name="Заголовок 1">
+            <a:extLst>
+              <a:ext uri="{FF2B5EF4-FFF2-40B4-BE49-F238E27FC236}">
+                <a16:creationId xmlns:a16="http://schemas.microsoft.com/office/drawing/2014/main" id="{EBC3C061-2CBA-4554-BD97-8B57018F42F1}"/>
+              </a:ext>
+            </a:extLst>
+          </p:cNvPr>
+          <p:cNvSpPr>
+            <a:spLocks noGrp="1"/>
+          </p:cNvSpPr>
+          <p:nvPr>
+            <p:ph type="title"/>
+          </p:nvPr>
+        </p:nvSpPr>
+        <p:spPr/>
+        <p:txBody>
+          <a:bodyPr/>
+          <a:lstStyle/>
+          <a:p>
+            <a:r>
+              <a:rPr lang="ru-RU" dirty="0"/>
+              <a:t>Задачи:</a:t>
+            </a:r>
+          </a:p>
+        </p:txBody>
+      </p:sp>
+      <p:sp>
+        <p:nvSpPr>
+          <p:cNvPr id="3" name="Объект 2">
+            <a:extLst>
+              <a:ext uri="{FF2B5EF4-FFF2-40B4-BE49-F238E27FC236}">
+                <a16:creationId xmlns:a16="http://schemas.microsoft.com/office/drawing/2014/main" id="{50023055-E08E-43AA-908F-8CE270ECCCF1}"/>
+              </a:ext>
+            </a:extLst>
+          </p:cNvPr>
+          <p:cNvSpPr>
+            <a:spLocks noGrp="1"/>
+          </p:cNvSpPr>
+          <p:nvPr>
+            <p:ph idx="1"/>
+          </p:nvPr>
+        </p:nvSpPr>
+        <p:spPr>
+          <a:xfrm>
+            <a:off x="875201" y="2209801"/>
+            <a:ext cx="8946541" cy="4195481"/>
+          </a:xfrm>
+        </p:spPr>
+        <p:txBody>
+          <a:bodyPr/>
+          <a:lstStyle/>
+          <a:p>
+            <a:r>
+              <a:rPr lang="ru-RU" dirty="0"/>
+              <a:t>Разработать базу данных для данных логистики</a:t>
+            </a:r>
+          </a:p>
+          <a:p>
+            <a:r>
+              <a:rPr lang="ru-RU" dirty="0"/>
+              <a:t>Разработать программу для управления БД</a:t>
+            </a:r>
+          </a:p>
+        </p:txBody>
+      </p:sp>
+    </p:spTree>
+    <p:extLst>
+      <p:ext uri="{BB962C8B-B14F-4D97-AF65-F5344CB8AC3E}">
+        <p14:creationId xmlns:p14="http://schemas.microsoft.com/office/powerpoint/2010/main" val="61096421"/>
+      </p:ext>
+    </p:extLst>
+  </p:cSld>
+  <p:clrMapOvr>
+    <a:masterClrMapping/>
+  </p:clrMapOvr>
+</p:sld>
+</file>
+
+<file path=ppt/slides/slide5.xml><?xml version="1.0" encoding="utf-8"?>
+<p:sld xmlns:a="http://schemas.openxmlformats.org/drawingml/2006/main" xmlns:r="http://schemas.openxmlformats.org/officeDocument/2006/relationships" xmlns:p="http://schemas.openxmlformats.org/presentationml/2006/main">
+  <p:cSld>
+    <p:spTree>
+      <p:nvGrpSpPr>
+        <p:cNvPr id="1" name=""/>
+        <p:cNvGrpSpPr/>
+        <p:nvPr/>
+      </p:nvGrpSpPr>
+      <p:grpSpPr>
+        <a:xfrm>
+          <a:off x="0" y="0"/>
+          <a:ext cx="0" cy="0"/>
+          <a:chOff x="0" y="0"/>
+          <a:chExt cx="0" cy="0"/>
+        </a:xfrm>
+      </p:grpSpPr>
+      <p:sp>
+        <p:nvSpPr>
+          <p:cNvPr id="2" name="Заголовок 1">
+            <a:extLst>
+              <a:ext uri="{FF2B5EF4-FFF2-40B4-BE49-F238E27FC236}">
+                <a16:creationId xmlns:a16="http://schemas.microsoft.com/office/drawing/2014/main" id="{696D4480-40FF-44EA-AC40-3E2F811A96C8}"/>
+              </a:ext>
+            </a:extLst>
+          </p:cNvPr>
+          <p:cNvSpPr>
+            <a:spLocks noGrp="1"/>
+          </p:cNvSpPr>
+          <p:nvPr>
+            <p:ph type="title"/>
+          </p:nvPr>
+        </p:nvSpPr>
+        <p:spPr/>
+        <p:txBody>
+          <a:bodyPr/>
+          <a:lstStyle/>
+          <a:p>
+            <a:r>
+              <a:rPr lang="ru-RU" dirty="0"/>
+              <a:t>Функциональные требования</a:t>
+            </a:r>
+          </a:p>
+        </p:txBody>
+      </p:sp>
+      <p:sp>
+        <p:nvSpPr>
+          <p:cNvPr id="3" name="Объект 2">
+            <a:extLst>
+              <a:ext uri="{FF2B5EF4-FFF2-40B4-BE49-F238E27FC236}">
+                <a16:creationId xmlns:a16="http://schemas.microsoft.com/office/drawing/2014/main" id="{1F059108-68A9-4792-9FBC-C0C932AD111D}"/>
+              </a:ext>
+            </a:extLst>
+          </p:cNvPr>
+          <p:cNvSpPr>
+            <a:spLocks noGrp="1"/>
+          </p:cNvSpPr>
+          <p:nvPr>
+            <p:ph idx="1"/>
+          </p:nvPr>
+        </p:nvSpPr>
+        <p:spPr/>
+        <p:txBody>
+          <a:bodyPr/>
+          <a:lstStyle/>
+          <a:p>
+            <a:r>
+              <a:rPr lang="ru-RU" dirty="0"/>
+              <a:t>Просмотр таблиц базы с данными о машинах, складах, товарах, водителях и маршрутах </a:t>
+            </a:r>
+          </a:p>
+          <a:p>
+            <a:r>
+              <a:rPr lang="ru-RU" dirty="0"/>
+              <a:t>Внесение изменений и добавление данных в базу</a:t>
+            </a:r>
+          </a:p>
+          <a:p>
+            <a:r>
+              <a:rPr lang="ru-RU" dirty="0"/>
+              <a:t>Авторизация и добавление пользователей </a:t>
+            </a:r>
+          </a:p>
+        </p:txBody>
+      </p:sp>
+    </p:spTree>
+    <p:extLst>
+      <p:ext uri="{BB962C8B-B14F-4D97-AF65-F5344CB8AC3E}">
+        <p14:creationId xmlns:p14="http://schemas.microsoft.com/office/powerpoint/2010/main" val="2371324920"/>
+      </p:ext>
+    </p:extLst>
+  </p:cSld>
+  <p:clrMapOvr>
+    <a:masterClrMapping/>
+  </p:clrMapOvr>
+</p:sld>
+</file>
+
+<file path=ppt/slides/slide6.xml><?xml version="1.0" encoding="utf-8"?>
+<p:sld xmlns:a="http://schemas.openxmlformats.org/drawingml/2006/main" xmlns:r="http://schemas.openxmlformats.org/officeDocument/2006/relationships" xmlns:p="http://schemas.openxmlformats.org/presentationml/2006/main">
+  <p:cSld>
+    <p:spTree>
+      <p:nvGrpSpPr>
+        <p:cNvPr id="1" name=""/>
+        <p:cNvGrpSpPr/>
+        <p:nvPr/>
+      </p:nvGrpSpPr>
+      <p:grpSpPr>
+        <a:xfrm>
+          <a:off x="0" y="0"/>
+          <a:ext cx="0" cy="0"/>
+          <a:chOff x="0" y="0"/>
+          <a:chExt cx="0" cy="0"/>
+        </a:xfrm>
+      </p:grpSpPr>
+      <p:sp>
+        <p:nvSpPr>
+          <p:cNvPr id="2" name="Заголовок 1">
+            <a:extLst>
+              <a:ext uri="{FF2B5EF4-FFF2-40B4-BE49-F238E27FC236}">
+                <a16:creationId xmlns:a16="http://schemas.microsoft.com/office/drawing/2014/main" id="{EDE08CB1-763C-4493-B0FA-A538152D8870}"/>
+              </a:ext>
+            </a:extLst>
+          </p:cNvPr>
+          <p:cNvSpPr>
+            <a:spLocks noGrp="1"/>
+          </p:cNvSpPr>
+          <p:nvPr>
+            <p:ph type="title"/>
+          </p:nvPr>
+        </p:nvSpPr>
+        <p:spPr/>
+        <p:txBody>
+          <a:bodyPr/>
+          <a:lstStyle/>
+          <a:p>
+            <a:r>
+              <a:rPr lang="ru-RU" dirty="0"/>
+              <a:t>Структура БД</a:t>
+            </a:r>
+          </a:p>
+        </p:txBody>
+      </p:sp>
+      <p:pic>
+        <p:nvPicPr>
+          <p:cNvPr id="4" name="Объект 3">
+            <a:extLst>
+              <a:ext uri="{FF2B5EF4-FFF2-40B4-BE49-F238E27FC236}">
+                <a16:creationId xmlns:a16="http://schemas.microsoft.com/office/drawing/2014/main" id="{E71C236C-88CE-40DC-8506-136334916208}"/>
+              </a:ext>
+            </a:extLst>
+          </p:cNvPr>
+          <p:cNvPicPr>
+            <a:picLocks noGrp="1" noChangeAspect="1"/>
+          </p:cNvPicPr>
+          <p:nvPr>
+            <p:ph idx="1"/>
+          </p:nvPr>
+        </p:nvPicPr>
+        <p:blipFill>
+          <a:blip r:embed="rId2"/>
+          <a:stretch>
+            <a:fillRect/>
+          </a:stretch>
+        </p:blipFill>
+        <p:spPr>
+          <a:xfrm>
+            <a:off x="1163510" y="1853248"/>
+            <a:ext cx="7495460" cy="4216197"/>
+          </a:xfrm>
+          <a:prstGeom prst="rect">
+            <a:avLst/>
+          </a:prstGeom>
+        </p:spPr>
+      </p:pic>
+    </p:spTree>
+    <p:extLst>
+      <p:ext uri="{BB962C8B-B14F-4D97-AF65-F5344CB8AC3E}">
+        <p14:creationId xmlns:p14="http://schemas.microsoft.com/office/powerpoint/2010/main" val="305864182"/>
+      </p:ext>
+    </p:extLst>
+  </p:cSld>
+  <p:clrMapOvr>
+    <a:masterClrMapping/>
+  </p:clrMapOvr>
+</p:sld>
+</file>
+
+<file path=ppt/slides/slide7.xml><?xml version="1.0" encoding="utf-8"?>
+<p:sld xmlns:a="http://schemas.openxmlformats.org/drawingml/2006/main" xmlns:r="http://schemas.openxmlformats.org/officeDocument/2006/relationships" xmlns:p="http://schemas.openxmlformats.org/presentationml/2006/main">
+  <p:cSld>
+    <p:spTree>
+      <p:nvGrpSpPr>
+        <p:cNvPr id="1" name=""/>
+        <p:cNvGrpSpPr/>
+        <p:nvPr/>
+      </p:nvGrpSpPr>
+      <p:grpSpPr>
+        <a:xfrm>
+          <a:off x="0" y="0"/>
+          <a:ext cx="0" cy="0"/>
+          <a:chOff x="0" y="0"/>
+          <a:chExt cx="0" cy="0"/>
+        </a:xfrm>
+      </p:grpSpPr>
+      <p:sp>
+        <p:nvSpPr>
+          <p:cNvPr id="2" name="Заголовок 1">
+            <a:extLst>
+              <a:ext uri="{FF2B5EF4-FFF2-40B4-BE49-F238E27FC236}">
+                <a16:creationId xmlns:a16="http://schemas.microsoft.com/office/drawing/2014/main" id="{B669EDC5-B545-4708-842D-185D989542CE}"/>
+              </a:ext>
+            </a:extLst>
+          </p:cNvPr>
+          <p:cNvSpPr>
+            <a:spLocks noGrp="1"/>
+          </p:cNvSpPr>
+          <p:nvPr>
+            <p:ph type="title"/>
+          </p:nvPr>
+        </p:nvSpPr>
+        <p:spPr/>
+        <p:txBody>
+          <a:bodyPr/>
+          <a:lstStyle/>
+          <a:p>
+            <a:r>
+              <a:rPr lang="ru-RU" dirty="0"/>
+              <a:t>Таблицы с </a:t>
+            </a:r>
+            <a:r>
+              <a:rPr lang="ru-RU" dirty="0" err="1"/>
+              <a:t>инофрмацией</a:t>
+            </a:r>
+            <a:endParaRPr lang="ru-RU" dirty="0"/>
+          </a:p>
+        </p:txBody>
+      </p:sp>
+      <p:pic>
+        <p:nvPicPr>
+          <p:cNvPr id="4" name="Объект 3">
+            <a:extLst>
+              <a:ext uri="{FF2B5EF4-FFF2-40B4-BE49-F238E27FC236}">
+                <a16:creationId xmlns:a16="http://schemas.microsoft.com/office/drawing/2014/main" id="{E131E683-DFC7-4984-AB26-3BB00749B1A3}"/>
+              </a:ext>
+            </a:extLst>
+          </p:cNvPr>
+          <p:cNvPicPr>
+            <a:picLocks noGrp="1" noChangeAspect="1"/>
+          </p:cNvPicPr>
+          <p:nvPr>
+            <p:ph idx="1"/>
+          </p:nvPr>
+        </p:nvPicPr>
+        <p:blipFill>
+          <a:blip r:embed="rId2"/>
+          <a:stretch>
+            <a:fillRect/>
+          </a:stretch>
+        </p:blipFill>
+        <p:spPr>
+          <a:xfrm>
+            <a:off x="1342767" y="2454354"/>
+            <a:ext cx="2039252" cy="1915243"/>
+          </a:xfrm>
+          <a:prstGeom prst="rect">
+            <a:avLst/>
+          </a:prstGeom>
+        </p:spPr>
+      </p:pic>
+      <p:pic>
+        <p:nvPicPr>
+          <p:cNvPr id="5" name="Рисунок 4">
+            <a:extLst>
+              <a:ext uri="{FF2B5EF4-FFF2-40B4-BE49-F238E27FC236}">
+                <a16:creationId xmlns:a16="http://schemas.microsoft.com/office/drawing/2014/main" id="{36B83AC1-31B3-4A2A-9681-DB99E1CD12EE}"/>
+              </a:ext>
+            </a:extLst>
+          </p:cNvPr>
+          <p:cNvPicPr>
+            <a:picLocks noChangeAspect="1"/>
+          </p:cNvPicPr>
+          <p:nvPr/>
+        </p:nvPicPr>
+        <p:blipFill>
+          <a:blip r:embed="rId3"/>
+          <a:stretch>
+            <a:fillRect/>
+          </a:stretch>
+        </p:blipFill>
+        <p:spPr>
+          <a:xfrm>
+            <a:off x="1342767" y="4797248"/>
+            <a:ext cx="1876425" cy="904875"/>
+          </a:xfrm>
+          <a:prstGeom prst="rect">
+            <a:avLst/>
+          </a:prstGeom>
+        </p:spPr>
+      </p:pic>
+      <p:pic>
+        <p:nvPicPr>
+          <p:cNvPr id="6" name="Рисунок 5">
+            <a:extLst>
+              <a:ext uri="{FF2B5EF4-FFF2-40B4-BE49-F238E27FC236}">
+                <a16:creationId xmlns:a16="http://schemas.microsoft.com/office/drawing/2014/main" id="{EDFE3EB0-27E7-4AC8-B833-E2B2C2990C17}"/>
+              </a:ext>
+            </a:extLst>
+          </p:cNvPr>
+          <p:cNvPicPr>
+            <a:picLocks noChangeAspect="1"/>
+          </p:cNvPicPr>
+          <p:nvPr/>
+        </p:nvPicPr>
+        <p:blipFill>
+          <a:blip r:embed="rId4"/>
+          <a:stretch>
+            <a:fillRect/>
+          </a:stretch>
+        </p:blipFill>
+        <p:spPr>
+          <a:xfrm>
+            <a:off x="3536349" y="2454354"/>
+            <a:ext cx="2647950" cy="1123950"/>
+          </a:xfrm>
+          <a:prstGeom prst="rect">
+            <a:avLst/>
+          </a:prstGeom>
+        </p:spPr>
+      </p:pic>
+      <p:pic>
+        <p:nvPicPr>
+          <p:cNvPr id="7" name="Рисунок 6">
+            <a:extLst>
+              <a:ext uri="{FF2B5EF4-FFF2-40B4-BE49-F238E27FC236}">
+                <a16:creationId xmlns:a16="http://schemas.microsoft.com/office/drawing/2014/main" id="{DD9C67D4-F31C-49F1-B83E-DF99484F4562}"/>
+              </a:ext>
+            </a:extLst>
+          </p:cNvPr>
+          <p:cNvPicPr>
+            <a:picLocks noChangeAspect="1"/>
+          </p:cNvPicPr>
+          <p:nvPr/>
+        </p:nvPicPr>
+        <p:blipFill>
+          <a:blip r:embed="rId5"/>
+          <a:stretch>
+            <a:fillRect/>
+          </a:stretch>
+        </p:blipFill>
+        <p:spPr>
+          <a:xfrm>
+            <a:off x="6464128" y="2454354"/>
+            <a:ext cx="1847850" cy="1209675"/>
+          </a:xfrm>
+          <a:prstGeom prst="rect">
+            <a:avLst/>
+          </a:prstGeom>
+        </p:spPr>
+      </p:pic>
+      <p:pic>
+        <p:nvPicPr>
+          <p:cNvPr id="8" name="Рисунок 7">
+            <a:extLst>
+              <a:ext uri="{FF2B5EF4-FFF2-40B4-BE49-F238E27FC236}">
+                <a16:creationId xmlns:a16="http://schemas.microsoft.com/office/drawing/2014/main" id="{11C4A6A5-B6D3-4362-AF0F-C2F5AE564D0B}"/>
+              </a:ext>
+            </a:extLst>
+          </p:cNvPr>
+          <p:cNvPicPr>
+            <a:picLocks noChangeAspect="1"/>
+          </p:cNvPicPr>
+          <p:nvPr/>
+        </p:nvPicPr>
+        <p:blipFill>
+          <a:blip r:embed="rId6"/>
+          <a:stretch>
+            <a:fillRect/>
+          </a:stretch>
+        </p:blipFill>
+        <p:spPr>
+          <a:xfrm>
+            <a:off x="8591807" y="2454354"/>
+            <a:ext cx="2133600" cy="1038225"/>
+          </a:xfrm>
+          <a:prstGeom prst="rect">
+            <a:avLst/>
+          </a:prstGeom>
+        </p:spPr>
+      </p:pic>
+    </p:spTree>
+    <p:extLst>
+      <p:ext uri="{BB962C8B-B14F-4D97-AF65-F5344CB8AC3E}">
+        <p14:creationId xmlns:p14="http://schemas.microsoft.com/office/powerpoint/2010/main" val="3354337836"/>
+      </p:ext>
+    </p:extLst>
+  </p:cSld>
+  <p:clrMapOvr>
+    <a:masterClrMapping/>
+  </p:clrMapOvr>
+</p:sld>
+</file>
+
+<file path=ppt/slides/slide8.xml><?xml version="1.0" encoding="utf-8"?>
+<p:sld xmlns:a="http://schemas.openxmlformats.org/drawingml/2006/main" xmlns:r="http://schemas.openxmlformats.org/officeDocument/2006/relationships" xmlns:p="http://schemas.openxmlformats.org/presentationml/2006/main">
+  <p:cSld>
+    <p:spTree>
+      <p:nvGrpSpPr>
+        <p:cNvPr id="1" name=""/>
+        <p:cNvGrpSpPr/>
+        <p:nvPr/>
+      </p:nvGrpSpPr>
+      <p:grpSpPr>
+        <a:xfrm>
+          <a:off x="0" y="0"/>
+          <a:ext cx="0" cy="0"/>
+          <a:chOff x="0" y="0"/>
+          <a:chExt cx="0" cy="0"/>
+        </a:xfrm>
+      </p:grpSpPr>
+      <p:sp>
+        <p:nvSpPr>
+          <p:cNvPr id="2" name="Заголовок 1">
+            <a:extLst>
+              <a:ext uri="{FF2B5EF4-FFF2-40B4-BE49-F238E27FC236}">
+                <a16:creationId xmlns:a16="http://schemas.microsoft.com/office/drawing/2014/main" id="{DAA73505-5F73-43B9-8E8D-826132A770BD}"/>
+              </a:ext>
+            </a:extLst>
+          </p:cNvPr>
+          <p:cNvSpPr>
+            <a:spLocks noGrp="1"/>
+          </p:cNvSpPr>
+          <p:nvPr>
+            <p:ph type="title"/>
+          </p:nvPr>
+        </p:nvSpPr>
+        <p:spPr/>
+        <p:txBody>
+          <a:bodyPr/>
+          <a:lstStyle/>
+          <a:p>
+            <a:r>
+              <a:rPr lang="ru-RU" dirty="0"/>
+              <a:t>Сводная таблица с маршрутами</a:t>
+            </a:r>
+          </a:p>
+        </p:txBody>
+      </p:sp>
+      <p:pic>
+        <p:nvPicPr>
+          <p:cNvPr id="4" name="Объект 3">
+            <a:extLst>
+              <a:ext uri="{FF2B5EF4-FFF2-40B4-BE49-F238E27FC236}">
+                <a16:creationId xmlns:a16="http://schemas.microsoft.com/office/drawing/2014/main" id="{E5A410D5-AA64-45A9-BBA9-620B09F5A68B}"/>
+              </a:ext>
+            </a:extLst>
+          </p:cNvPr>
+          <p:cNvPicPr>
+            <a:picLocks noGrp="1" noChangeAspect="1"/>
+          </p:cNvPicPr>
+          <p:nvPr>
+            <p:ph idx="1"/>
+          </p:nvPr>
+        </p:nvPicPr>
+        <p:blipFill>
+          <a:blip r:embed="rId2"/>
+          <a:stretch>
+            <a:fillRect/>
+          </a:stretch>
+        </p:blipFill>
+        <p:spPr>
+          <a:xfrm>
+            <a:off x="2171571" y="3061708"/>
+            <a:ext cx="6629400" cy="1057275"/>
+          </a:xfrm>
+          <a:prstGeom prst="rect">
+            <a:avLst/>
+          </a:prstGeom>
+        </p:spPr>
+      </p:pic>
+    </p:spTree>
+    <p:extLst>
+      <p:ext uri="{BB962C8B-B14F-4D97-AF65-F5344CB8AC3E}">
+        <p14:creationId xmlns:p14="http://schemas.microsoft.com/office/powerpoint/2010/main" val="2907816478"/>
+      </p:ext>
+    </p:extLst>
+  </p:cSld>
+  <p:clrMapOvr>
+    <a:masterClrMapping/>
+  </p:clrMapOvr>
+</p:sld>
+</file>
+
 <file path=ppt/slides/slide9.xml><?xml version="1.0" encoding="utf-8"?>
 <p:sld xmlns:a="http://schemas.openxmlformats.org/drawingml/2006/main" xmlns:r="http://schemas.openxmlformats.org/officeDocument/2006/relationships" xmlns:p="http://schemas.openxmlformats.org/presentationml/2006/main">
   <p:cSld>
@@ -7209,7 +7527,7 @@
           <p:cNvPr id="2" name="Заголовок 1">
             <a:extLst>
               <a:ext uri="{FF2B5EF4-FFF2-40B4-BE49-F238E27FC236}">
-                <a16:creationId xmlns:a16="http://schemas.microsoft.com/office/drawing/2014/main" id="{48FDBE36-A5F8-474B-884E-D23B9B2D4352}"/>
+                <a16:creationId xmlns:a16="http://schemas.microsoft.com/office/drawing/2014/main" id="{FE0E59D7-962A-4AF5-B292-2B8F637F27D3}"/>
               </a:ext>
             </a:extLst>
           </p:cNvPr>
@@ -7227,52 +7545,26 @@
           <a:p>
             <a:r>
               <a:rPr lang="ru-RU" dirty="0"/>
-              <a:t>Заключение</a:t>
-            </a:r>
-          </a:p>
-        </p:txBody>
-      </p:sp>
-      <p:sp>
-        <p:nvSpPr>
-          <p:cNvPr id="3" name="Объект 2">
+              <a:t>Подключение БД к программе</a:t>
+            </a:r>
+          </a:p>
+        </p:txBody>
+      </p:sp>
+      <p:pic>
+        <p:nvPicPr>
+          <p:cNvPr id="6" name="Объект 5">
             <a:extLst>
               <a:ext uri="{FF2B5EF4-FFF2-40B4-BE49-F238E27FC236}">
-                <a16:creationId xmlns:a16="http://schemas.microsoft.com/office/drawing/2014/main" id="{3A548D36-659D-4B73-BF00-83494BBAB28D}"/>
-              </a:ext>
-            </a:extLst>
-          </p:cNvPr>
-          <p:cNvSpPr>
-            <a:spLocks noGrp="1"/>
-          </p:cNvSpPr>
-          <p:nvPr>
-            <p:ph idx="1"/>
-          </p:nvPr>
-        </p:nvSpPr>
-        <p:spPr/>
-        <p:txBody>
-          <a:bodyPr/>
-          <a:lstStyle/>
-          <a:p>
-            <a:r>
-              <a:rPr lang="ru-RU" dirty="0"/>
-              <a:t>Программа работает стабильно, однако нуждается в добавлении многих функции которые будут добавлены в течении следующей производственной практики</a:t>
-            </a:r>
-          </a:p>
-        </p:txBody>
-      </p:sp>
-      <p:pic>
-        <p:nvPicPr>
-          <p:cNvPr id="4" name="Рисунок 3">
-            <a:extLst>
-              <a:ext uri="{FF2B5EF4-FFF2-40B4-BE49-F238E27FC236}">
-                <a16:creationId xmlns:a16="http://schemas.microsoft.com/office/drawing/2014/main" id="{838FA55F-7779-4123-9D22-702E0EA46FE0}"/>
+                <a16:creationId xmlns:a16="http://schemas.microsoft.com/office/drawing/2014/main" id="{1C45E09C-10D9-49A5-AA7A-55B73D308489}"/>
               </a:ext>
             </a:extLst>
           </p:cNvPr>
           <p:cNvPicPr>
-            <a:picLocks noChangeAspect="1"/>
+            <a:picLocks noGrp="1" noChangeAspect="1"/>
           </p:cNvPicPr>
-          <p:nvPr/>
+          <p:nvPr>
+            <p:ph idx="1"/>
+          </p:nvPr>
         </p:nvPicPr>
         <p:blipFill>
           <a:blip r:embed="rId2"/>
@@ -7282,183 +7574,18 @@
         </p:blipFill>
         <p:spPr>
           <a:xfrm>
-            <a:off x="1103312" y="3922643"/>
-            <a:ext cx="1714500" cy="2209800"/>
+            <a:off x="1103313" y="2684912"/>
+            <a:ext cx="8947150" cy="2931214"/>
           </a:xfrm>
           <a:prstGeom prst="rect">
             <a:avLst/>
           </a:prstGeom>
         </p:spPr>
       </p:pic>
-      <p:pic>
-        <p:nvPicPr>
-          <p:cNvPr id="5" name="Рисунок 4">
-            <a:extLst>
-              <a:ext uri="{FF2B5EF4-FFF2-40B4-BE49-F238E27FC236}">
-                <a16:creationId xmlns:a16="http://schemas.microsoft.com/office/drawing/2014/main" id="{8533133F-6A2C-44D0-AAAD-5E248DCD725A}"/>
-              </a:ext>
-            </a:extLst>
-          </p:cNvPr>
-          <p:cNvPicPr>
-            <a:picLocks noChangeAspect="1"/>
-          </p:cNvPicPr>
-          <p:nvPr/>
-        </p:nvPicPr>
-        <p:blipFill>
-          <a:blip r:embed="rId3"/>
-          <a:stretch>
-            <a:fillRect/>
-          </a:stretch>
-        </p:blipFill>
-        <p:spPr>
-          <a:xfrm>
-            <a:off x="3199489" y="3909875"/>
-            <a:ext cx="3702243" cy="2346433"/>
-          </a:xfrm>
-          <a:prstGeom prst="rect">
-            <a:avLst/>
-          </a:prstGeom>
-        </p:spPr>
-      </p:pic>
-      <p:pic>
-        <p:nvPicPr>
-          <p:cNvPr id="6" name="Рисунок 5">
-            <a:extLst>
-              <a:ext uri="{FF2B5EF4-FFF2-40B4-BE49-F238E27FC236}">
-                <a16:creationId xmlns:a16="http://schemas.microsoft.com/office/drawing/2014/main" id="{47144D9C-576C-444A-9BB8-285B6E106454}"/>
-              </a:ext>
-            </a:extLst>
-          </p:cNvPr>
-          <p:cNvPicPr>
-            <a:picLocks noChangeAspect="1"/>
-          </p:cNvPicPr>
-          <p:nvPr/>
-        </p:nvPicPr>
-        <p:blipFill>
-          <a:blip r:embed="rId4"/>
-          <a:stretch>
-            <a:fillRect/>
-          </a:stretch>
-        </p:blipFill>
-        <p:spPr>
-          <a:xfrm>
-            <a:off x="7059930" y="3909875"/>
-            <a:ext cx="4123814" cy="2093360"/>
-          </a:xfrm>
-          <a:prstGeom prst="rect">
-            <a:avLst/>
-          </a:prstGeom>
-        </p:spPr>
-      </p:pic>
-      <p:sp>
-        <p:nvSpPr>
-          <p:cNvPr id="7" name="TextBox 6">
-            <a:extLst>
-              <a:ext uri="{FF2B5EF4-FFF2-40B4-BE49-F238E27FC236}">
-                <a16:creationId xmlns:a16="http://schemas.microsoft.com/office/drawing/2014/main" id="{B0621270-3C0A-4AB5-8807-F866401594D6}"/>
-              </a:ext>
-            </a:extLst>
-          </p:cNvPr>
-          <p:cNvSpPr txBox="1"/>
-          <p:nvPr/>
-        </p:nvSpPr>
-        <p:spPr>
-          <a:xfrm>
-            <a:off x="951595" y="3515031"/>
-            <a:ext cx="1866217" cy="307777"/>
-          </a:xfrm>
-          <a:prstGeom prst="rect">
-            <a:avLst/>
-          </a:prstGeom>
-          <a:noFill/>
-        </p:spPr>
-        <p:txBody>
-          <a:bodyPr wrap="none" rtlCol="0">
-            <a:spAutoFit/>
-          </a:bodyPr>
-          <a:lstStyle/>
-          <a:p>
-            <a:r>
-              <a:rPr lang="ru-RU" sz="1400" dirty="0"/>
-              <a:t>Окно авторизации</a:t>
-            </a:r>
-          </a:p>
-        </p:txBody>
-      </p:sp>
-      <p:sp>
-        <p:nvSpPr>
-          <p:cNvPr id="8" name="TextBox 7">
-            <a:extLst>
-              <a:ext uri="{FF2B5EF4-FFF2-40B4-BE49-F238E27FC236}">
-                <a16:creationId xmlns:a16="http://schemas.microsoft.com/office/drawing/2014/main" id="{937E2228-A04B-4387-8BDC-51F307F19692}"/>
-              </a:ext>
-            </a:extLst>
-          </p:cNvPr>
-          <p:cNvSpPr txBox="1"/>
-          <p:nvPr/>
-        </p:nvSpPr>
-        <p:spPr>
-          <a:xfrm>
-            <a:off x="3162783" y="3556316"/>
-            <a:ext cx="2475358" cy="307777"/>
-          </a:xfrm>
-          <a:prstGeom prst="rect">
-            <a:avLst/>
-          </a:prstGeom>
-          <a:noFill/>
-        </p:spPr>
-        <p:txBody>
-          <a:bodyPr wrap="none" rtlCol="0">
-            <a:spAutoFit/>
-          </a:bodyPr>
-          <a:lstStyle/>
-          <a:p>
-            <a:r>
-              <a:rPr lang="ru-RU" sz="1400" dirty="0"/>
-              <a:t>Окно добавления данных</a:t>
-            </a:r>
-          </a:p>
-        </p:txBody>
-      </p:sp>
-      <p:sp>
-        <p:nvSpPr>
-          <p:cNvPr id="9" name="TextBox 8">
-            <a:extLst>
-              <a:ext uri="{FF2B5EF4-FFF2-40B4-BE49-F238E27FC236}">
-                <a16:creationId xmlns:a16="http://schemas.microsoft.com/office/drawing/2014/main" id="{54398B08-AE22-4F6F-BA74-0CA316F89DC9}"/>
-              </a:ext>
-            </a:extLst>
-          </p:cNvPr>
-          <p:cNvSpPr txBox="1"/>
-          <p:nvPr/>
-        </p:nvSpPr>
-        <p:spPr>
-          <a:xfrm>
-            <a:off x="7059930" y="3556316"/>
-            <a:ext cx="3560590" cy="307777"/>
-          </a:xfrm>
-          <a:prstGeom prst="rect">
-            <a:avLst/>
-          </a:prstGeom>
-          <a:noFill/>
-        </p:spPr>
-        <p:txBody>
-          <a:bodyPr wrap="none" rtlCol="0">
-            <a:spAutoFit/>
-          </a:bodyPr>
-          <a:lstStyle/>
-          <a:p>
-            <a:r>
-              <a:rPr lang="ru-RU" sz="1400" dirty="0"/>
-              <a:t>Основное окно отображения данных</a:t>
-            </a:r>
-          </a:p>
-        </p:txBody>
-      </p:sp>
     </p:spTree>
     <p:extLst>
       <p:ext uri="{BB962C8B-B14F-4D97-AF65-F5344CB8AC3E}">
-        <p14:creationId xmlns:p14="http://schemas.microsoft.com/office/powerpoint/2010/main" val="278295657"/>
+        <p14:creationId xmlns:p14="http://schemas.microsoft.com/office/powerpoint/2010/main" val="407478395"/>
       </p:ext>
     </p:extLst>
   </p:cSld>
